--- a/Presentation-OnlineArtGallery.pptx
+++ b/Presentation-OnlineArtGallery.pptx
@@ -123,7 +123,7 @@
   </p:defaultTextStyle>
   <p:extLst>
     <p:ext uri="{EFAFB233-063F-42B5-8137-9DF3F51BA10A}">
-      <p15:sldGuideLst xmlns="" xmlns:p15="http://schemas.microsoft.com/office/powerpoint/2012/main">
+      <p15:sldGuideLst xmlns:p15="http://schemas.microsoft.com/office/powerpoint/2012/main" xmlns="">
         <p15:guide id="1" orient="horz" pos="1620">
           <p15:clr>
             <a:srgbClr val="A4A3A4"/>
@@ -226,7 +226,7 @@
           <a:p>
             <a:fld id="{C8D18E60-4300-4729-A0D7-6AB984C3922D}" type="datetimeFigureOut">
               <a:rPr lang="en-US" smtClean="0"/>
-              <a:t>9/26/2022</a:t>
+              <a:t>9/30/2022</a:t>
             </a:fld>
             <a:endParaRPr lang="en-US" dirty="0"/>
           </a:p>
@@ -1119,7 +1119,7 @@
             <a:fld id="{53074F12-AA26-4AC8-9962-C36BB8F32554}" type="datetimeFigureOut">
               <a:rPr lang="en-US" smtClean="0"/>
               <a:pPr/>
-              <a:t>9/26/2022</a:t>
+              <a:t>9/30/2022</a:t>
             </a:fld>
             <a:endParaRPr lang="en-US" dirty="0"/>
           </a:p>
@@ -1317,7 +1317,7 @@
             <a:fld id="{53074F12-AA26-4AC8-9962-C36BB8F32554}" type="datetimeFigureOut">
               <a:rPr lang="en-US" smtClean="0"/>
               <a:pPr/>
-              <a:t>9/26/2022</a:t>
+              <a:t>9/30/2022</a:t>
             </a:fld>
             <a:endParaRPr lang="en-US" dirty="0"/>
           </a:p>
@@ -1504,7 +1504,7 @@
             <a:fld id="{53074F12-AA26-4AC8-9962-C36BB8F32554}" type="datetimeFigureOut">
               <a:rPr lang="en-US" smtClean="0"/>
               <a:pPr/>
-              <a:t>9/26/2022</a:t>
+              <a:t>9/30/2022</a:t>
             </a:fld>
             <a:endParaRPr lang="en-US" dirty="0"/>
           </a:p>
@@ -1562,7 +1562,7 @@
           <p:cNvPr id="7" name="Picture 6" descr="E:\websites\free-power-point-templates\2012\logos.png">
             <a:extLst>
               <a:ext uri="{FF2B5EF4-FFF2-40B4-BE49-F238E27FC236}">
-                <a16:creationId xmlns="" xmlns:a16="http://schemas.microsoft.com/office/drawing/2014/main" id="{08B89D22-1D6E-450B-881F-4D2A4C527F72}"/>
+                <a16:creationId xmlns:a16="http://schemas.microsoft.com/office/drawing/2014/main" xmlns="" id="{08B89D22-1D6E-450B-881F-4D2A4C527F72}"/>
               </a:ext>
             </a:extLst>
           </p:cNvPr>
@@ -1705,7 +1705,7 @@
             <a:fld id="{53074F12-AA26-4AC8-9962-C36BB8F32554}" type="datetimeFigureOut">
               <a:rPr lang="en-US" smtClean="0"/>
               <a:pPr/>
-              <a:t>9/26/2022</a:t>
+              <a:t>9/30/2022</a:t>
             </a:fld>
             <a:endParaRPr lang="en-US" dirty="0"/>
           </a:p>
@@ -1962,7 +1962,7 @@
             <a:fld id="{53074F12-AA26-4AC8-9962-C36BB8F32554}" type="datetimeFigureOut">
               <a:rPr lang="en-US" smtClean="0"/>
               <a:pPr/>
-              <a:t>9/26/2022</a:t>
+              <a:t>9/30/2022</a:t>
             </a:fld>
             <a:endParaRPr lang="en-US" dirty="0"/>
           </a:p>
@@ -2373,7 +2373,7 @@
             <a:fld id="{53074F12-AA26-4AC8-9962-C36BB8F32554}" type="datetimeFigureOut">
               <a:rPr lang="en-US" smtClean="0"/>
               <a:pPr/>
-              <a:t>9/26/2022</a:t>
+              <a:t>9/30/2022</a:t>
             </a:fld>
             <a:endParaRPr lang="en-US" dirty="0"/>
           </a:p>
@@ -2821,7 +2821,7 @@
             <a:fld id="{53074F12-AA26-4AC8-9962-C36BB8F32554}" type="datetimeFigureOut">
               <a:rPr lang="en-US" smtClean="0"/>
               <a:pPr/>
-              <a:t>9/26/2022</a:t>
+              <a:t>9/30/2022</a:t>
             </a:fld>
             <a:endParaRPr lang="en-US" dirty="0"/>
           </a:p>
@@ -2924,7 +2924,7 @@
             <a:fld id="{53074F12-AA26-4AC8-9962-C36BB8F32554}" type="datetimeFigureOut">
               <a:rPr lang="en-US" smtClean="0"/>
               <a:pPr/>
-              <a:t>9/26/2022</a:t>
+              <a:t>9/30/2022</a:t>
             </a:fld>
             <a:endParaRPr lang="en-US" dirty="0"/>
           </a:p>
@@ -3047,7 +3047,7 @@
             <a:fld id="{53074F12-AA26-4AC8-9962-C36BB8F32554}" type="datetimeFigureOut">
               <a:rPr lang="en-US" smtClean="0"/>
               <a:pPr/>
-              <a:t>9/26/2022</a:t>
+              <a:t>9/30/2022</a:t>
             </a:fld>
             <a:endParaRPr lang="en-US" dirty="0"/>
           </a:p>
@@ -3323,7 +3323,7 @@
             <a:fld id="{53074F12-AA26-4AC8-9962-C36BB8F32554}" type="datetimeFigureOut">
               <a:rPr lang="en-US" smtClean="0"/>
               <a:pPr/>
-              <a:t>9/26/2022</a:t>
+              <a:t>9/30/2022</a:t>
             </a:fld>
             <a:endParaRPr lang="en-US" dirty="0"/>
           </a:p>
@@ -3530,7 +3530,7 @@
             <a:fld id="{53074F12-AA26-4AC8-9962-C36BB8F32554}" type="datetimeFigureOut">
               <a:rPr lang="en-US" smtClean="0"/>
               <a:pPr/>
-              <a:t>9/26/2022</a:t>
+              <a:t>9/30/2022</a:t>
             </a:fld>
             <a:endParaRPr lang="en-US" dirty="0"/>
           </a:p>
@@ -4641,7 +4641,7 @@
             <a:fld id="{53074F12-AA26-4AC8-9962-C36BB8F32554}" type="datetimeFigureOut">
               <a:rPr lang="en-US" smtClean="0"/>
               <a:pPr/>
-              <a:t>9/26/2022</a:t>
+              <a:t>9/30/2022</a:t>
             </a:fld>
             <a:endParaRPr lang="en-US" dirty="0"/>
           </a:p>
@@ -4729,7 +4729,7 @@
           <p:cNvPr id="11" name="TextBox 10">
             <a:extLst>
               <a:ext uri="{FF2B5EF4-FFF2-40B4-BE49-F238E27FC236}">
-                <a16:creationId xmlns="" xmlns:a16="http://schemas.microsoft.com/office/drawing/2014/main" id="{11E867DF-3DCA-4725-94F0-F2B6BD747A82}"/>
+                <a16:creationId xmlns:a16="http://schemas.microsoft.com/office/drawing/2014/main" xmlns="" id="{11E867DF-3DCA-4725-94F0-F2B6BD747A82}"/>
               </a:ext>
             </a:extLst>
           </p:cNvPr>
@@ -8107,8 +8107,8 @@
           <a:lstStyle/>
           <a:p>
             <a:r>
-              <a:rPr lang="en-US" dirty="0" smtClean="0"/>
-              <a:t>Thank-You…</a:t>
+              <a:rPr lang="en-US" smtClean="0"/>
+              <a:t>Thank-You... </a:t>
             </a:r>
             <a:endParaRPr lang="en-IN" dirty="0"/>
           </a:p>
@@ -11370,7 +11370,7 @@
   <a:extraClrSchemeLst/>
   <a:extLst>
     <a:ext uri="{05A4C25C-085E-4340-85A3-A5531E510DB2}">
-      <thm15:themeFamily xmlns="" xmlns:thm15="http://schemas.microsoft.com/office/thememl/2012/main" name="Office Theme" id="{62F939B6-93AF-4DB8-9C6B-D6C7DFDC589F}" vid="{4A3C46E8-61CC-4603-A589-7422A47A8E4A}"/>
+      <thm15:themeFamily xmlns:thm15="http://schemas.microsoft.com/office/thememl/2012/main" xmlns="" name="Office Theme" id="{62F939B6-93AF-4DB8-9C6B-D6C7DFDC589F}" vid="{4A3C46E8-61CC-4603-A589-7422A47A8E4A}"/>
     </a:ext>
   </a:extLst>
 </a:theme>

--- a/Presentation-OnlineArtGallery.pptx
+++ b/Presentation-OnlineArtGallery.pptx
@@ -7735,107 +7735,95 @@
       </p:sp>
       <p:sp>
         <p:nvSpPr>
-          <p:cNvPr id="3" name="Rectangle 2"/>
-          <p:cNvSpPr/>
+          <p:cNvPr id="6" name="TextBox 5"/>
+          <p:cNvSpPr txBox="1"/>
           <p:nvPr/>
         </p:nvSpPr>
         <p:spPr>
           <a:xfrm>
-            <a:off x="1361873" y="1588521"/>
-            <a:ext cx="7247106" cy="2585323"/>
+            <a:off x="2091446" y="1459149"/>
+            <a:ext cx="5671225" cy="2062103"/>
           </a:xfrm>
           <a:prstGeom prst="rect">
             <a:avLst/>
           </a:prstGeom>
+          <a:noFill/>
         </p:spPr>
         <p:txBody>
-          <a:bodyPr wrap="square">
+          <a:bodyPr wrap="square" rtlCol="0">
             <a:spAutoFit/>
           </a:bodyPr>
           <a:lstStyle/>
           <a:p>
+            <a:pPr marL="285750" indent="-285750">
+              <a:buFont typeface="Arial" pitchFamily="34" charset="0"/>
+              <a:buChar char="•"/>
+            </a:pPr>
             <a:r>
               <a:rPr lang="en-IN" sz="1600" dirty="0" smtClean="0">
                 <a:latin typeface="Times New Roman" pitchFamily="18" charset="0"/>
                 <a:cs typeface="Times New Roman" pitchFamily="18" charset="0"/>
               </a:rPr>
-              <a:t>	Online </a:t>
-            </a:r>
-            <a:r>
-              <a:rPr lang="en-IN" sz="1600" dirty="0">
-                <a:latin typeface="Times New Roman" pitchFamily="18" charset="0"/>
-                <a:cs typeface="Times New Roman" pitchFamily="18" charset="0"/>
-              </a:rPr>
-              <a:t>art galleries are the future scope of selling, exhibiting the art works market. Gradually it will be more and more improved and grow throughout the world. Now they had also started using the 360 degree view and panoramic image for better feel of the </a:t>
-            </a:r>
-            <a:r>
-              <a:rPr lang="en-IN" sz="1600" dirty="0" smtClean="0">
-                <a:latin typeface="Times New Roman" pitchFamily="18" charset="0"/>
-                <a:cs typeface="Times New Roman" pitchFamily="18" charset="0"/>
-              </a:rPr>
-              <a:t> online </a:t>
-            </a:r>
-            <a:r>
-              <a:rPr lang="en-IN" sz="1600" dirty="0">
-                <a:latin typeface="Times New Roman" pitchFamily="18" charset="0"/>
-                <a:cs typeface="Times New Roman" pitchFamily="18" charset="0"/>
-              </a:rPr>
-              <a:t>art gallery experience. </a:t>
-            </a:r>
+              <a:t>Along with rating review option will be provided for art .</a:t>
+            </a:r>
+          </a:p>
+          <a:p>
             <a:endParaRPr lang="en-IN" sz="1600" dirty="0" smtClean="0">
               <a:latin typeface="Times New Roman" pitchFamily="18" charset="0"/>
               <a:cs typeface="Times New Roman" pitchFamily="18" charset="0"/>
             </a:endParaRPr>
           </a:p>
           <a:p>
+            <a:pPr marL="285750" indent="-285750">
+              <a:buFont typeface="Arial" pitchFamily="34" charset="0"/>
+              <a:buChar char="•"/>
+            </a:pPr>
+            <a:r>
+              <a:rPr lang="en-IN" sz="1600" dirty="0" smtClean="0">
+                <a:latin typeface="Times New Roman" pitchFamily="18" charset="0"/>
+                <a:cs typeface="Times New Roman" pitchFamily="18" charset="0"/>
+              </a:rPr>
+              <a:t>Invoice pdf  will be send along with order confirmation  through the mail.</a:t>
+            </a:r>
+          </a:p>
+          <a:p>
+            <a:pPr marL="285750" indent="-285750">
+              <a:buFont typeface="Arial" pitchFamily="34" charset="0"/>
+              <a:buChar char="•"/>
+            </a:pPr>
             <a:endParaRPr lang="en-IN" sz="1600" dirty="0" smtClean="0">
               <a:latin typeface="Times New Roman" pitchFamily="18" charset="0"/>
               <a:cs typeface="Times New Roman" pitchFamily="18" charset="0"/>
             </a:endParaRPr>
           </a:p>
           <a:p>
-            <a:r>
-              <a:rPr lang="en-IN" sz="1600" dirty="0">
-                <a:latin typeface="Times New Roman" pitchFamily="18" charset="0"/>
-                <a:cs typeface="Times New Roman" pitchFamily="18" charset="0"/>
-              </a:rPr>
-              <a:t>	</a:t>
-            </a:r>
+            <a:pPr marL="285750" indent="-285750">
+              <a:buFont typeface="Arial" pitchFamily="34" charset="0"/>
+              <a:buChar char="•"/>
+            </a:pPr>
             <a:r>
               <a:rPr lang="en-IN" sz="1600" dirty="0" smtClean="0">
                 <a:latin typeface="Times New Roman" pitchFamily="18" charset="0"/>
                 <a:cs typeface="Times New Roman" pitchFamily="18" charset="0"/>
               </a:rPr>
-              <a:t>Only </a:t>
-            </a:r>
-            <a:r>
-              <a:rPr lang="en-IN" sz="1600" dirty="0">
-                <a:latin typeface="Times New Roman" pitchFamily="18" charset="0"/>
-                <a:cs typeface="Times New Roman" pitchFamily="18" charset="0"/>
-              </a:rPr>
-              <a:t>one possible restriction is faced by that when the reduced the size of image of particular art works they should be sure for the quality and clarity should not be compromised. At the last I should say that technology is the future of everything so as soon the artists adapt it will be beneficial for art world. The Information era also gives opportunity </a:t>
-            </a:r>
-            <a:r>
-              <a:rPr lang="en-IN" sz="1600" dirty="0" smtClean="0">
-                <a:latin typeface="Times New Roman" pitchFamily="18" charset="0"/>
-                <a:cs typeface="Times New Roman" pitchFamily="18" charset="0"/>
-              </a:rPr>
-              <a:t>to online </a:t>
-            </a:r>
-            <a:r>
-              <a:rPr lang="en-IN" sz="1600" dirty="0">
-                <a:latin typeface="Times New Roman" pitchFamily="18" charset="0"/>
-                <a:cs typeface="Times New Roman" pitchFamily="18" charset="0"/>
-              </a:rPr>
-              <a:t>art gallery to </a:t>
-            </a:r>
-            <a:r>
-              <a:rPr lang="en-IN" sz="1600" dirty="0" smtClean="0">
-                <a:latin typeface="Times New Roman" pitchFamily="18" charset="0"/>
-                <a:cs typeface="Times New Roman" pitchFamily="18" charset="0"/>
-              </a:rPr>
-              <a:t>develop.</a:t>
-            </a:r>
+              <a:t>Customer support will provide through this system.</a:t>
+            </a:r>
+            <a:endParaRPr lang="en-IN" sz="1600" dirty="0">
+              <a:latin typeface="Times New Roman" pitchFamily="18" charset="0"/>
+              <a:cs typeface="Times New Roman" pitchFamily="18" charset="0"/>
+            </a:endParaRPr>
+          </a:p>
+          <a:p>
+            <a:pPr marL="285750" indent="-285750">
+              <a:buFont typeface="Arial" pitchFamily="34" charset="0"/>
+              <a:buChar char="•"/>
+            </a:pPr>
+            <a:endParaRPr lang="en-IN" sz="1600" dirty="0" smtClean="0">
+              <a:latin typeface="Times New Roman" pitchFamily="18" charset="0"/>
+              <a:cs typeface="Times New Roman" pitchFamily="18" charset="0"/>
+            </a:endParaRPr>
+          </a:p>
+          <a:p>
             <a:endParaRPr lang="en-IN" sz="1600" dirty="0">
               <a:latin typeface="Times New Roman" pitchFamily="18" charset="0"/>
               <a:cs typeface="Times New Roman" pitchFamily="18" charset="0"/>
@@ -7930,7 +7918,7 @@
         </p:nvSpPr>
         <p:spPr>
           <a:xfrm>
-            <a:off x="2981500" y="577739"/>
+            <a:off x="3249436" y="577739"/>
             <a:ext cx="1662635" cy="461665"/>
           </a:xfrm>
           <a:prstGeom prst="rect">
@@ -7987,8 +7975,33 @@
                 <a:latin typeface="Times New Roman" pitchFamily="18" charset="0"/>
                 <a:cs typeface="Times New Roman" pitchFamily="18" charset="0"/>
               </a:rPr>
-              <a:t>Art Gallery System provides artwork platform to get connected  with different Artist  and Customer efficiently.</a:t>
-            </a:r>
+              <a:t>Art </a:t>
+            </a:r>
+            <a:r>
+              <a:rPr lang="en-IN" sz="1600" dirty="0" smtClean="0">
+                <a:latin typeface="Times New Roman" pitchFamily="18" charset="0"/>
+                <a:cs typeface="Times New Roman" pitchFamily="18" charset="0"/>
+              </a:rPr>
+              <a:t>Gallery provides </a:t>
+            </a:r>
+            <a:r>
+              <a:rPr lang="en-IN" sz="1600" dirty="0">
+                <a:latin typeface="Times New Roman" pitchFamily="18" charset="0"/>
+                <a:cs typeface="Times New Roman" pitchFamily="18" charset="0"/>
+              </a:rPr>
+              <a:t>artwork platform to get connected  with different Artist  and Customer </a:t>
+            </a:r>
+            <a:r>
+              <a:rPr lang="en-IN" sz="1600" dirty="0" smtClean="0">
+                <a:latin typeface="Times New Roman" pitchFamily="18" charset="0"/>
+                <a:cs typeface="Times New Roman" pitchFamily="18" charset="0"/>
+              </a:rPr>
+              <a:t>.</a:t>
+            </a:r>
+            <a:endParaRPr lang="en-IN" sz="1600" dirty="0">
+              <a:latin typeface="Times New Roman" pitchFamily="18" charset="0"/>
+              <a:cs typeface="Times New Roman" pitchFamily="18" charset="0"/>
+            </a:endParaRPr>
           </a:p>
           <a:p>
             <a:pPr algn="just"/>
@@ -8014,21 +8027,84 @@
                 <a:latin typeface="Times New Roman" pitchFamily="18" charset="0"/>
                 <a:cs typeface="Times New Roman" pitchFamily="18" charset="0"/>
               </a:rPr>
-              <a:t>System provides a very user-friendly platform where Artist can promote their </a:t>
+              <a:t>System provides a very user-friendly platform where Artist can </a:t>
             </a:r>
             <a:r>
               <a:rPr lang="en-IN" sz="1600" dirty="0" smtClean="0">
                 <a:latin typeface="Times New Roman" pitchFamily="18" charset="0"/>
                 <a:cs typeface="Times New Roman" pitchFamily="18" charset="0"/>
               </a:rPr>
+              <a:t>showcase</a:t>
+            </a:r>
+            <a:r>
+              <a:rPr lang="en-IN" sz="1600" dirty="0" smtClean="0">
+                <a:latin typeface="Times New Roman" pitchFamily="18" charset="0"/>
+                <a:cs typeface="Times New Roman" pitchFamily="18" charset="0"/>
+              </a:rPr>
+              <a:t> </a:t>
+            </a:r>
+            <a:r>
+              <a:rPr lang="en-IN" sz="1600" dirty="0">
+                <a:latin typeface="Times New Roman" pitchFamily="18" charset="0"/>
+                <a:cs typeface="Times New Roman" pitchFamily="18" charset="0"/>
+              </a:rPr>
+              <a:t>their </a:t>
+            </a:r>
+            <a:r>
+              <a:rPr lang="en-IN" sz="1600" dirty="0" smtClean="0">
+                <a:latin typeface="Times New Roman" pitchFamily="18" charset="0"/>
+                <a:cs typeface="Times New Roman" pitchFamily="18" charset="0"/>
+              </a:rPr>
               <a:t>artwork .Customer </a:t>
             </a:r>
             <a:r>
+              <a:rPr lang="en-IN" sz="1600" dirty="0" smtClean="0">
+                <a:latin typeface="Times New Roman" pitchFamily="18" charset="0"/>
+                <a:cs typeface="Times New Roman" pitchFamily="18" charset="0"/>
+              </a:rPr>
+              <a:t>can get easily access to variety of  </a:t>
+            </a:r>
+            <a:r>
               <a:rPr lang="en-IN" sz="1600" dirty="0">
                 <a:latin typeface="Times New Roman" pitchFamily="18" charset="0"/>
                 <a:cs typeface="Times New Roman" pitchFamily="18" charset="0"/>
               </a:rPr>
-              <a:t>can register on website and find list of all the Artwork offered by Artist. Customer can see artwork and also Customer can give </a:t>
+              <a:t>the Artwork offered by Artist. Customer can </a:t>
+            </a:r>
+            <a:r>
+              <a:rPr lang="en-IN" sz="1600" dirty="0" smtClean="0">
+                <a:latin typeface="Times New Roman" pitchFamily="18" charset="0"/>
+                <a:cs typeface="Times New Roman" pitchFamily="18" charset="0"/>
+              </a:rPr>
+              <a:t>buy</a:t>
+            </a:r>
+            <a:r>
+              <a:rPr lang="en-IN" sz="1600" dirty="0" smtClean="0">
+                <a:latin typeface="Times New Roman" pitchFamily="18" charset="0"/>
+                <a:cs typeface="Times New Roman" pitchFamily="18" charset="0"/>
+              </a:rPr>
+              <a:t> </a:t>
+            </a:r>
+            <a:r>
+              <a:rPr lang="en-IN" sz="1600" dirty="0">
+                <a:latin typeface="Times New Roman" pitchFamily="18" charset="0"/>
+                <a:cs typeface="Times New Roman" pitchFamily="18" charset="0"/>
+              </a:rPr>
+              <a:t>artwork and </a:t>
+            </a:r>
+            <a:r>
+              <a:rPr lang="en-IN" sz="1600" dirty="0" smtClean="0">
+                <a:latin typeface="Times New Roman" pitchFamily="18" charset="0"/>
+                <a:cs typeface="Times New Roman" pitchFamily="18" charset="0"/>
+              </a:rPr>
+              <a:t>also </a:t>
+            </a:r>
+            <a:r>
+              <a:rPr lang="en-IN" sz="1600" dirty="0">
+                <a:latin typeface="Times New Roman" pitchFamily="18" charset="0"/>
+                <a:cs typeface="Times New Roman" pitchFamily="18" charset="0"/>
+              </a:rPr>
+              <a:t>give </a:t>
             </a:r>
             <a:r>
               <a:rPr lang="en-IN" sz="1600" dirty="0" smtClean="0">
@@ -8107,8 +8183,8 @@
           <a:lstStyle/>
           <a:p>
             <a:r>
-              <a:rPr lang="en-US" smtClean="0"/>
-              <a:t>Thank-You... </a:t>
+              <a:rPr lang="en-US" dirty="0" smtClean="0"/>
+              <a:t>Thank-You…</a:t>
             </a:r>
             <a:endParaRPr lang="en-IN" dirty="0"/>
           </a:p>
@@ -8921,7 +8997,7 @@
                 <a:latin typeface="Times New Roman" pitchFamily="18" charset="0"/>
                 <a:cs typeface="Times New Roman" pitchFamily="18" charset="0"/>
               </a:rPr>
-              <a:t>JQueryReact </a:t>
+              <a:t>JSON</a:t>
             </a:r>
           </a:p>
           <a:p>
@@ -8934,7 +9010,7 @@
                 <a:latin typeface="Times New Roman" pitchFamily="18" charset="0"/>
                 <a:cs typeface="Times New Roman" pitchFamily="18" charset="0"/>
               </a:rPr>
-              <a:t>JSON</a:t>
+              <a:t>ReactJs</a:t>
             </a:r>
             <a:endParaRPr lang="en-IN" sz="1600" dirty="0">
               <a:latin typeface="Times New Roman" pitchFamily="18" charset="0"/>
